--- a/ppt 16-9/0603.主爱的光辉.pptx
+++ b/ppt 16-9/0603.主爱的光辉.pptx
@@ -129,7 +129,7 @@
           <p:cNvPr id="2" name="标题 1">
             <a:extLst>
               <a:ext uri="{FF2B5EF4-FFF2-40B4-BE49-F238E27FC236}">
-                <a16:creationId xmlns:a16="http://schemas.microsoft.com/office/drawing/2014/main" id="{8F5480D8-15F3-5A99-5C54-84ADC9F36731}"/>
+                <a16:creationId xmlns:a16="http://schemas.microsoft.com/office/drawing/2014/main" id="{C4115746-34B8-DDB8-4F15-E16BEF29834A}"/>
               </a:ext>
             </a:extLst>
           </p:cNvPr>
@@ -166,7 +166,7 @@
           <p:cNvPr id="3" name="副标题 2">
             <a:extLst>
               <a:ext uri="{FF2B5EF4-FFF2-40B4-BE49-F238E27FC236}">
-                <a16:creationId xmlns:a16="http://schemas.microsoft.com/office/drawing/2014/main" id="{0B670631-26C8-B142-E3AD-921435EF45FF}"/>
+                <a16:creationId xmlns:a16="http://schemas.microsoft.com/office/drawing/2014/main" id="{667518CB-9414-B42B-694D-7F925C2D2F63}"/>
               </a:ext>
             </a:extLst>
           </p:cNvPr>
@@ -236,7 +236,7 @@
           <p:cNvPr id="4" name="日期占位符 3">
             <a:extLst>
               <a:ext uri="{FF2B5EF4-FFF2-40B4-BE49-F238E27FC236}">
-                <a16:creationId xmlns:a16="http://schemas.microsoft.com/office/drawing/2014/main" id="{9A7BE205-4977-0965-01DB-9036F2C3E7FB}"/>
+                <a16:creationId xmlns:a16="http://schemas.microsoft.com/office/drawing/2014/main" id="{1726D876-C9F6-DFEE-5507-946CB718B418}"/>
               </a:ext>
             </a:extLst>
           </p:cNvPr>
@@ -252,7 +252,7 @@
           <a:bodyPr/>
           <a:lstStyle/>
           <a:p>
-            <a:fld id="{8135A732-BF97-4756-9EAB-DC0AC8AD3586}" type="datetimeFigureOut">
+            <a:fld id="{9856455E-E23B-4E74-B937-AFDA344C7BE4}" type="datetimeFigureOut">
               <a:rPr lang="zh-CN" altLang="en-US" smtClean="0"/>
               <a:t>2024/3/10</a:t>
             </a:fld>
@@ -265,7 +265,7 @@
           <p:cNvPr id="5" name="页脚占位符 4">
             <a:extLst>
               <a:ext uri="{FF2B5EF4-FFF2-40B4-BE49-F238E27FC236}">
-                <a16:creationId xmlns:a16="http://schemas.microsoft.com/office/drawing/2014/main" id="{696DE394-581C-9DBE-A960-E5099DAA0C14}"/>
+                <a16:creationId xmlns:a16="http://schemas.microsoft.com/office/drawing/2014/main" id="{EEAB74FB-B288-87DF-F9FE-A0C7DF037D7E}"/>
               </a:ext>
             </a:extLst>
           </p:cNvPr>
@@ -290,7 +290,7 @@
           <p:cNvPr id="6" name="灯片编号占位符 5">
             <a:extLst>
               <a:ext uri="{FF2B5EF4-FFF2-40B4-BE49-F238E27FC236}">
-                <a16:creationId xmlns:a16="http://schemas.microsoft.com/office/drawing/2014/main" id="{7C888041-27F1-CDE5-2F0D-BAEBE5B7F66B}"/>
+                <a16:creationId xmlns:a16="http://schemas.microsoft.com/office/drawing/2014/main" id="{A0609DF2-9BDB-4939-2FE1-DB167515F2C9}"/>
               </a:ext>
             </a:extLst>
           </p:cNvPr>
@@ -306,7 +306,7 @@
           <a:bodyPr/>
           <a:lstStyle/>
           <a:p>
-            <a:fld id="{EDDEE17E-6766-4644-A610-4690C481FB75}" type="slidenum">
+            <a:fld id="{07407152-7CE4-48F1-A6F5-261540BB1C02}" type="slidenum">
               <a:rPr lang="zh-CN" altLang="en-US" smtClean="0"/>
               <a:t>‹#›</a:t>
             </a:fld>
@@ -317,7 +317,7 @@
     </p:spTree>
     <p:extLst>
       <p:ext uri="{BB962C8B-B14F-4D97-AF65-F5344CB8AC3E}">
-        <p14:creationId xmlns:p14="http://schemas.microsoft.com/office/powerpoint/2010/main" val="3063007625"/>
+        <p14:creationId xmlns:p14="http://schemas.microsoft.com/office/powerpoint/2010/main" val="4033745643"/>
       </p:ext>
     </p:extLst>
   </p:cSld>
@@ -349,7 +349,7 @@
           <p:cNvPr id="2" name="标题 1">
             <a:extLst>
               <a:ext uri="{FF2B5EF4-FFF2-40B4-BE49-F238E27FC236}">
-                <a16:creationId xmlns:a16="http://schemas.microsoft.com/office/drawing/2014/main" id="{528F6CFA-46CF-4DF5-C27A-BFD645A85552}"/>
+                <a16:creationId xmlns:a16="http://schemas.microsoft.com/office/drawing/2014/main" id="{ADEAC12B-A3EA-678E-3880-F0607F1BA337}"/>
               </a:ext>
             </a:extLst>
           </p:cNvPr>
@@ -377,7 +377,7 @@
           <p:cNvPr id="3" name="竖排文字占位符 2">
             <a:extLst>
               <a:ext uri="{FF2B5EF4-FFF2-40B4-BE49-F238E27FC236}">
-                <a16:creationId xmlns:a16="http://schemas.microsoft.com/office/drawing/2014/main" id="{ED0A4023-E9A1-1C8F-C10B-0BF8B76D2DDD}"/>
+                <a16:creationId xmlns:a16="http://schemas.microsoft.com/office/drawing/2014/main" id="{A761D8E5-F984-794A-1D89-6CA56D1434D7}"/>
               </a:ext>
             </a:extLst>
           </p:cNvPr>
@@ -434,7 +434,7 @@
           <p:cNvPr id="4" name="日期占位符 3">
             <a:extLst>
               <a:ext uri="{FF2B5EF4-FFF2-40B4-BE49-F238E27FC236}">
-                <a16:creationId xmlns:a16="http://schemas.microsoft.com/office/drawing/2014/main" id="{58DDB788-5A62-BA58-9A2C-CC752BF9C57B}"/>
+                <a16:creationId xmlns:a16="http://schemas.microsoft.com/office/drawing/2014/main" id="{A6F05E55-BD10-5B4F-8429-C277F123F016}"/>
               </a:ext>
             </a:extLst>
           </p:cNvPr>
@@ -450,7 +450,7 @@
           <a:bodyPr/>
           <a:lstStyle/>
           <a:p>
-            <a:fld id="{8135A732-BF97-4756-9EAB-DC0AC8AD3586}" type="datetimeFigureOut">
+            <a:fld id="{9856455E-E23B-4E74-B937-AFDA344C7BE4}" type="datetimeFigureOut">
               <a:rPr lang="zh-CN" altLang="en-US" smtClean="0"/>
               <a:t>2024/3/10</a:t>
             </a:fld>
@@ -463,7 +463,7 @@
           <p:cNvPr id="5" name="页脚占位符 4">
             <a:extLst>
               <a:ext uri="{FF2B5EF4-FFF2-40B4-BE49-F238E27FC236}">
-                <a16:creationId xmlns:a16="http://schemas.microsoft.com/office/drawing/2014/main" id="{55639B2A-8CCF-C892-6B71-130A43C05FF6}"/>
+                <a16:creationId xmlns:a16="http://schemas.microsoft.com/office/drawing/2014/main" id="{7E011139-00BA-3E95-F528-85824DAB0145}"/>
               </a:ext>
             </a:extLst>
           </p:cNvPr>
@@ -488,7 +488,7 @@
           <p:cNvPr id="6" name="灯片编号占位符 5">
             <a:extLst>
               <a:ext uri="{FF2B5EF4-FFF2-40B4-BE49-F238E27FC236}">
-                <a16:creationId xmlns:a16="http://schemas.microsoft.com/office/drawing/2014/main" id="{D4007CE9-7A04-BBF1-5061-6A2B5023C827}"/>
+                <a16:creationId xmlns:a16="http://schemas.microsoft.com/office/drawing/2014/main" id="{7164BF43-397F-EE77-1CC0-89B29342E82B}"/>
               </a:ext>
             </a:extLst>
           </p:cNvPr>
@@ -504,7 +504,7 @@
           <a:bodyPr/>
           <a:lstStyle/>
           <a:p>
-            <a:fld id="{EDDEE17E-6766-4644-A610-4690C481FB75}" type="slidenum">
+            <a:fld id="{07407152-7CE4-48F1-A6F5-261540BB1C02}" type="slidenum">
               <a:rPr lang="zh-CN" altLang="en-US" smtClean="0"/>
               <a:t>‹#›</a:t>
             </a:fld>
@@ -515,7 +515,7 @@
     </p:spTree>
     <p:extLst>
       <p:ext uri="{BB962C8B-B14F-4D97-AF65-F5344CB8AC3E}">
-        <p14:creationId xmlns:p14="http://schemas.microsoft.com/office/powerpoint/2010/main" val="2814108886"/>
+        <p14:creationId xmlns:p14="http://schemas.microsoft.com/office/powerpoint/2010/main" val="387649343"/>
       </p:ext>
     </p:extLst>
   </p:cSld>
@@ -547,7 +547,7 @@
           <p:cNvPr id="2" name="竖排标题 1">
             <a:extLst>
               <a:ext uri="{FF2B5EF4-FFF2-40B4-BE49-F238E27FC236}">
-                <a16:creationId xmlns:a16="http://schemas.microsoft.com/office/drawing/2014/main" id="{552A90FD-1F84-81BA-D11F-CD8BFFDC0D24}"/>
+                <a16:creationId xmlns:a16="http://schemas.microsoft.com/office/drawing/2014/main" id="{E10A696D-D2F0-21FA-773E-39CD8CD44DD4}"/>
               </a:ext>
             </a:extLst>
           </p:cNvPr>
@@ -580,7 +580,7 @@
           <p:cNvPr id="3" name="竖排文字占位符 2">
             <a:extLst>
               <a:ext uri="{FF2B5EF4-FFF2-40B4-BE49-F238E27FC236}">
-                <a16:creationId xmlns:a16="http://schemas.microsoft.com/office/drawing/2014/main" id="{1C6162EE-FF7D-9CD2-196B-91440FADFFF8}"/>
+                <a16:creationId xmlns:a16="http://schemas.microsoft.com/office/drawing/2014/main" id="{BC59F41A-DF6B-D205-FA11-BF51013E25DF}"/>
               </a:ext>
             </a:extLst>
           </p:cNvPr>
@@ -642,7 +642,7 @@
           <p:cNvPr id="4" name="日期占位符 3">
             <a:extLst>
               <a:ext uri="{FF2B5EF4-FFF2-40B4-BE49-F238E27FC236}">
-                <a16:creationId xmlns:a16="http://schemas.microsoft.com/office/drawing/2014/main" id="{6D059399-21D5-E87D-FA42-D150B5441DC8}"/>
+                <a16:creationId xmlns:a16="http://schemas.microsoft.com/office/drawing/2014/main" id="{D74E6728-8755-24AC-9D4A-3CDED4435563}"/>
               </a:ext>
             </a:extLst>
           </p:cNvPr>
@@ -658,7 +658,7 @@
           <a:bodyPr/>
           <a:lstStyle/>
           <a:p>
-            <a:fld id="{8135A732-BF97-4756-9EAB-DC0AC8AD3586}" type="datetimeFigureOut">
+            <a:fld id="{9856455E-E23B-4E74-B937-AFDA344C7BE4}" type="datetimeFigureOut">
               <a:rPr lang="zh-CN" altLang="en-US" smtClean="0"/>
               <a:t>2024/3/10</a:t>
             </a:fld>
@@ -671,7 +671,7 @@
           <p:cNvPr id="5" name="页脚占位符 4">
             <a:extLst>
               <a:ext uri="{FF2B5EF4-FFF2-40B4-BE49-F238E27FC236}">
-                <a16:creationId xmlns:a16="http://schemas.microsoft.com/office/drawing/2014/main" id="{40487752-50FC-216E-242F-4E146137F6D8}"/>
+                <a16:creationId xmlns:a16="http://schemas.microsoft.com/office/drawing/2014/main" id="{206E707A-A833-AB93-88B1-64CAF04DECD8}"/>
               </a:ext>
             </a:extLst>
           </p:cNvPr>
@@ -696,7 +696,7 @@
           <p:cNvPr id="6" name="灯片编号占位符 5">
             <a:extLst>
               <a:ext uri="{FF2B5EF4-FFF2-40B4-BE49-F238E27FC236}">
-                <a16:creationId xmlns:a16="http://schemas.microsoft.com/office/drawing/2014/main" id="{2CF229FB-CFD5-1B4A-8561-AD88F0F0647E}"/>
+                <a16:creationId xmlns:a16="http://schemas.microsoft.com/office/drawing/2014/main" id="{90211E37-F2E9-990E-288D-3620AF00D87A}"/>
               </a:ext>
             </a:extLst>
           </p:cNvPr>
@@ -712,7 +712,7 @@
           <a:bodyPr/>
           <a:lstStyle/>
           <a:p>
-            <a:fld id="{EDDEE17E-6766-4644-A610-4690C481FB75}" type="slidenum">
+            <a:fld id="{07407152-7CE4-48F1-A6F5-261540BB1C02}" type="slidenum">
               <a:rPr lang="zh-CN" altLang="en-US" smtClean="0"/>
               <a:t>‹#›</a:t>
             </a:fld>
@@ -723,7 +723,7 @@
     </p:spTree>
     <p:extLst>
       <p:ext uri="{BB962C8B-B14F-4D97-AF65-F5344CB8AC3E}">
-        <p14:creationId xmlns:p14="http://schemas.microsoft.com/office/powerpoint/2010/main" val="2047838124"/>
+        <p14:creationId xmlns:p14="http://schemas.microsoft.com/office/powerpoint/2010/main" val="3418925246"/>
       </p:ext>
     </p:extLst>
   </p:cSld>
@@ -755,7 +755,7 @@
           <p:cNvPr id="2" name="标题 1">
             <a:extLst>
               <a:ext uri="{FF2B5EF4-FFF2-40B4-BE49-F238E27FC236}">
-                <a16:creationId xmlns:a16="http://schemas.microsoft.com/office/drawing/2014/main" id="{1A7BA11E-64FC-88C6-7CEF-5F195F9A6B4A}"/>
+                <a16:creationId xmlns:a16="http://schemas.microsoft.com/office/drawing/2014/main" id="{8FCAAFA4-957E-31CA-D932-548858083218}"/>
               </a:ext>
             </a:extLst>
           </p:cNvPr>
@@ -783,7 +783,7 @@
           <p:cNvPr id="3" name="内容占位符 2">
             <a:extLst>
               <a:ext uri="{FF2B5EF4-FFF2-40B4-BE49-F238E27FC236}">
-                <a16:creationId xmlns:a16="http://schemas.microsoft.com/office/drawing/2014/main" id="{68146841-2C58-AE0F-1F53-F8F39510285E}"/>
+                <a16:creationId xmlns:a16="http://schemas.microsoft.com/office/drawing/2014/main" id="{0E6F6A8A-81FD-E1D7-D300-FCEAEEA3F7F4}"/>
               </a:ext>
             </a:extLst>
           </p:cNvPr>
@@ -840,7 +840,7 @@
           <p:cNvPr id="4" name="日期占位符 3">
             <a:extLst>
               <a:ext uri="{FF2B5EF4-FFF2-40B4-BE49-F238E27FC236}">
-                <a16:creationId xmlns:a16="http://schemas.microsoft.com/office/drawing/2014/main" id="{40E987A5-78B3-E048-B140-CCC358CDE53B}"/>
+                <a16:creationId xmlns:a16="http://schemas.microsoft.com/office/drawing/2014/main" id="{1BB7D44D-79B6-6F93-3CE3-95CBB1DC3A89}"/>
               </a:ext>
             </a:extLst>
           </p:cNvPr>
@@ -856,7 +856,7 @@
           <a:bodyPr/>
           <a:lstStyle/>
           <a:p>
-            <a:fld id="{8135A732-BF97-4756-9EAB-DC0AC8AD3586}" type="datetimeFigureOut">
+            <a:fld id="{9856455E-E23B-4E74-B937-AFDA344C7BE4}" type="datetimeFigureOut">
               <a:rPr lang="zh-CN" altLang="en-US" smtClean="0"/>
               <a:t>2024/3/10</a:t>
             </a:fld>
@@ -869,7 +869,7 @@
           <p:cNvPr id="5" name="页脚占位符 4">
             <a:extLst>
               <a:ext uri="{FF2B5EF4-FFF2-40B4-BE49-F238E27FC236}">
-                <a16:creationId xmlns:a16="http://schemas.microsoft.com/office/drawing/2014/main" id="{6488E962-2168-DFA9-D5A1-103036C93E03}"/>
+                <a16:creationId xmlns:a16="http://schemas.microsoft.com/office/drawing/2014/main" id="{B4D72EAF-78C0-5D95-3EC9-2D59D6A06BD7}"/>
               </a:ext>
             </a:extLst>
           </p:cNvPr>
@@ -894,7 +894,7 @@
           <p:cNvPr id="6" name="灯片编号占位符 5">
             <a:extLst>
               <a:ext uri="{FF2B5EF4-FFF2-40B4-BE49-F238E27FC236}">
-                <a16:creationId xmlns:a16="http://schemas.microsoft.com/office/drawing/2014/main" id="{E1F4FA3C-4D14-02A6-C336-A32ECC6B8BC7}"/>
+                <a16:creationId xmlns:a16="http://schemas.microsoft.com/office/drawing/2014/main" id="{94F68A7F-7B1A-EA28-A7CF-68DB94C6D9C0}"/>
               </a:ext>
             </a:extLst>
           </p:cNvPr>
@@ -910,7 +910,7 @@
           <a:bodyPr/>
           <a:lstStyle/>
           <a:p>
-            <a:fld id="{EDDEE17E-6766-4644-A610-4690C481FB75}" type="slidenum">
+            <a:fld id="{07407152-7CE4-48F1-A6F5-261540BB1C02}" type="slidenum">
               <a:rPr lang="zh-CN" altLang="en-US" smtClean="0"/>
               <a:t>‹#›</a:t>
             </a:fld>
@@ -921,7 +921,7 @@
     </p:spTree>
     <p:extLst>
       <p:ext uri="{BB962C8B-B14F-4D97-AF65-F5344CB8AC3E}">
-        <p14:creationId xmlns:p14="http://schemas.microsoft.com/office/powerpoint/2010/main" val="1022927172"/>
+        <p14:creationId xmlns:p14="http://schemas.microsoft.com/office/powerpoint/2010/main" val="2111980246"/>
       </p:ext>
     </p:extLst>
   </p:cSld>
@@ -953,7 +953,7 @@
           <p:cNvPr id="2" name="标题 1">
             <a:extLst>
               <a:ext uri="{FF2B5EF4-FFF2-40B4-BE49-F238E27FC236}">
-                <a16:creationId xmlns:a16="http://schemas.microsoft.com/office/drawing/2014/main" id="{33A5CC94-901E-6978-732F-E7DF0A861AF1}"/>
+                <a16:creationId xmlns:a16="http://schemas.microsoft.com/office/drawing/2014/main" id="{58700EC6-CD10-9C21-B59E-4F42F6A94107}"/>
               </a:ext>
             </a:extLst>
           </p:cNvPr>
@@ -990,7 +990,7 @@
           <p:cNvPr id="3" name="文本占位符 2">
             <a:extLst>
               <a:ext uri="{FF2B5EF4-FFF2-40B4-BE49-F238E27FC236}">
-                <a16:creationId xmlns:a16="http://schemas.microsoft.com/office/drawing/2014/main" id="{484BF929-3B88-6837-B4BD-F2B92A26C489}"/>
+                <a16:creationId xmlns:a16="http://schemas.microsoft.com/office/drawing/2014/main" id="{29B97410-AE8A-EBD9-0750-0EF8921AB408}"/>
               </a:ext>
             </a:extLst>
           </p:cNvPr>
@@ -1115,7 +1115,7 @@
           <p:cNvPr id="4" name="日期占位符 3">
             <a:extLst>
               <a:ext uri="{FF2B5EF4-FFF2-40B4-BE49-F238E27FC236}">
-                <a16:creationId xmlns:a16="http://schemas.microsoft.com/office/drawing/2014/main" id="{6A118C8E-90E5-B47A-B849-A444D3D80C99}"/>
+                <a16:creationId xmlns:a16="http://schemas.microsoft.com/office/drawing/2014/main" id="{AEC38772-D59E-4A37-EB15-9C6CDCDE0341}"/>
               </a:ext>
             </a:extLst>
           </p:cNvPr>
@@ -1131,7 +1131,7 @@
           <a:bodyPr/>
           <a:lstStyle/>
           <a:p>
-            <a:fld id="{8135A732-BF97-4756-9EAB-DC0AC8AD3586}" type="datetimeFigureOut">
+            <a:fld id="{9856455E-E23B-4E74-B937-AFDA344C7BE4}" type="datetimeFigureOut">
               <a:rPr lang="zh-CN" altLang="en-US" smtClean="0"/>
               <a:t>2024/3/10</a:t>
             </a:fld>
@@ -1144,7 +1144,7 @@
           <p:cNvPr id="5" name="页脚占位符 4">
             <a:extLst>
               <a:ext uri="{FF2B5EF4-FFF2-40B4-BE49-F238E27FC236}">
-                <a16:creationId xmlns:a16="http://schemas.microsoft.com/office/drawing/2014/main" id="{31C11F88-3043-59EB-8D5B-42C11095EDEA}"/>
+                <a16:creationId xmlns:a16="http://schemas.microsoft.com/office/drawing/2014/main" id="{4622AEE6-63AD-F5F3-3E6F-B4EB95F07908}"/>
               </a:ext>
             </a:extLst>
           </p:cNvPr>
@@ -1169,7 +1169,7 @@
           <p:cNvPr id="6" name="灯片编号占位符 5">
             <a:extLst>
               <a:ext uri="{FF2B5EF4-FFF2-40B4-BE49-F238E27FC236}">
-                <a16:creationId xmlns:a16="http://schemas.microsoft.com/office/drawing/2014/main" id="{20F02597-B75F-B6C6-5D9F-8D48DD5DCFCC}"/>
+                <a16:creationId xmlns:a16="http://schemas.microsoft.com/office/drawing/2014/main" id="{347A4F1A-DF5E-6280-4402-418E4FDDE8EA}"/>
               </a:ext>
             </a:extLst>
           </p:cNvPr>
@@ -1185,7 +1185,7 @@
           <a:bodyPr/>
           <a:lstStyle/>
           <a:p>
-            <a:fld id="{EDDEE17E-6766-4644-A610-4690C481FB75}" type="slidenum">
+            <a:fld id="{07407152-7CE4-48F1-A6F5-261540BB1C02}" type="slidenum">
               <a:rPr lang="zh-CN" altLang="en-US" smtClean="0"/>
               <a:t>‹#›</a:t>
             </a:fld>
@@ -1196,7 +1196,7 @@
     </p:spTree>
     <p:extLst>
       <p:ext uri="{BB962C8B-B14F-4D97-AF65-F5344CB8AC3E}">
-        <p14:creationId xmlns:p14="http://schemas.microsoft.com/office/powerpoint/2010/main" val="547159614"/>
+        <p14:creationId xmlns:p14="http://schemas.microsoft.com/office/powerpoint/2010/main" val="146998116"/>
       </p:ext>
     </p:extLst>
   </p:cSld>
@@ -1228,7 +1228,7 @@
           <p:cNvPr id="2" name="标题 1">
             <a:extLst>
               <a:ext uri="{FF2B5EF4-FFF2-40B4-BE49-F238E27FC236}">
-                <a16:creationId xmlns:a16="http://schemas.microsoft.com/office/drawing/2014/main" id="{E68DD9C6-40B5-8AD4-CBA6-9D7A5EF6727F}"/>
+                <a16:creationId xmlns:a16="http://schemas.microsoft.com/office/drawing/2014/main" id="{C4928623-0FAD-7032-84C6-13F488EA9B55}"/>
               </a:ext>
             </a:extLst>
           </p:cNvPr>
@@ -1256,7 +1256,7 @@
           <p:cNvPr id="3" name="内容占位符 2">
             <a:extLst>
               <a:ext uri="{FF2B5EF4-FFF2-40B4-BE49-F238E27FC236}">
-                <a16:creationId xmlns:a16="http://schemas.microsoft.com/office/drawing/2014/main" id="{DE28ADDA-A940-1E16-26ED-0A08CAC3C3C6}"/>
+                <a16:creationId xmlns:a16="http://schemas.microsoft.com/office/drawing/2014/main" id="{160A2E68-E3DA-B175-01D0-EBC8A3FF3277}"/>
               </a:ext>
             </a:extLst>
           </p:cNvPr>
@@ -1318,7 +1318,7 @@
           <p:cNvPr id="4" name="内容占位符 3">
             <a:extLst>
               <a:ext uri="{FF2B5EF4-FFF2-40B4-BE49-F238E27FC236}">
-                <a16:creationId xmlns:a16="http://schemas.microsoft.com/office/drawing/2014/main" id="{EB1AE27D-1C05-1EB9-C55A-F8E7E646BD6B}"/>
+                <a16:creationId xmlns:a16="http://schemas.microsoft.com/office/drawing/2014/main" id="{5B1E1277-E5AB-2E8D-1407-B0A56CC185DD}"/>
               </a:ext>
             </a:extLst>
           </p:cNvPr>
@@ -1380,7 +1380,7 @@
           <p:cNvPr id="5" name="日期占位符 4">
             <a:extLst>
               <a:ext uri="{FF2B5EF4-FFF2-40B4-BE49-F238E27FC236}">
-                <a16:creationId xmlns:a16="http://schemas.microsoft.com/office/drawing/2014/main" id="{2BD0F1EF-B178-A6C3-37E1-FB5B9B69DE5C}"/>
+                <a16:creationId xmlns:a16="http://schemas.microsoft.com/office/drawing/2014/main" id="{6ABF6FF9-CF0A-0190-A11C-40E73AA8B6E8}"/>
               </a:ext>
             </a:extLst>
           </p:cNvPr>
@@ -1396,7 +1396,7 @@
           <a:bodyPr/>
           <a:lstStyle/>
           <a:p>
-            <a:fld id="{8135A732-BF97-4756-9EAB-DC0AC8AD3586}" type="datetimeFigureOut">
+            <a:fld id="{9856455E-E23B-4E74-B937-AFDA344C7BE4}" type="datetimeFigureOut">
               <a:rPr lang="zh-CN" altLang="en-US" smtClean="0"/>
               <a:t>2024/3/10</a:t>
             </a:fld>
@@ -1409,7 +1409,7 @@
           <p:cNvPr id="6" name="页脚占位符 5">
             <a:extLst>
               <a:ext uri="{FF2B5EF4-FFF2-40B4-BE49-F238E27FC236}">
-                <a16:creationId xmlns:a16="http://schemas.microsoft.com/office/drawing/2014/main" id="{45B83F6B-1A77-D174-4BF5-1749FA090567}"/>
+                <a16:creationId xmlns:a16="http://schemas.microsoft.com/office/drawing/2014/main" id="{95F45831-389D-8DEE-5284-51356B191F6B}"/>
               </a:ext>
             </a:extLst>
           </p:cNvPr>
@@ -1434,7 +1434,7 @@
           <p:cNvPr id="7" name="灯片编号占位符 6">
             <a:extLst>
               <a:ext uri="{FF2B5EF4-FFF2-40B4-BE49-F238E27FC236}">
-                <a16:creationId xmlns:a16="http://schemas.microsoft.com/office/drawing/2014/main" id="{3382BC43-E43E-C6A8-7A4A-648703C30AE6}"/>
+                <a16:creationId xmlns:a16="http://schemas.microsoft.com/office/drawing/2014/main" id="{59116A95-DBD3-6A7B-BB94-4B33A8C39939}"/>
               </a:ext>
             </a:extLst>
           </p:cNvPr>
@@ -1450,7 +1450,7 @@
           <a:bodyPr/>
           <a:lstStyle/>
           <a:p>
-            <a:fld id="{EDDEE17E-6766-4644-A610-4690C481FB75}" type="slidenum">
+            <a:fld id="{07407152-7CE4-48F1-A6F5-261540BB1C02}" type="slidenum">
               <a:rPr lang="zh-CN" altLang="en-US" smtClean="0"/>
               <a:t>‹#›</a:t>
             </a:fld>
@@ -1461,7 +1461,7 @@
     </p:spTree>
     <p:extLst>
       <p:ext uri="{BB962C8B-B14F-4D97-AF65-F5344CB8AC3E}">
-        <p14:creationId xmlns:p14="http://schemas.microsoft.com/office/powerpoint/2010/main" val="3985078615"/>
+        <p14:creationId xmlns:p14="http://schemas.microsoft.com/office/powerpoint/2010/main" val="3593289712"/>
       </p:ext>
     </p:extLst>
   </p:cSld>
@@ -1493,7 +1493,7 @@
           <p:cNvPr id="2" name="标题 1">
             <a:extLst>
               <a:ext uri="{FF2B5EF4-FFF2-40B4-BE49-F238E27FC236}">
-                <a16:creationId xmlns:a16="http://schemas.microsoft.com/office/drawing/2014/main" id="{EB9FFC7E-5A97-6ABD-91B1-7F07F31D452C}"/>
+                <a16:creationId xmlns:a16="http://schemas.microsoft.com/office/drawing/2014/main" id="{9BDAE3FB-5200-653B-A883-EDC31551F497}"/>
               </a:ext>
             </a:extLst>
           </p:cNvPr>
@@ -1526,7 +1526,7 @@
           <p:cNvPr id="3" name="文本占位符 2">
             <a:extLst>
               <a:ext uri="{FF2B5EF4-FFF2-40B4-BE49-F238E27FC236}">
-                <a16:creationId xmlns:a16="http://schemas.microsoft.com/office/drawing/2014/main" id="{7AD3C709-B91A-D36C-469B-6E75DD0A80E4}"/>
+                <a16:creationId xmlns:a16="http://schemas.microsoft.com/office/drawing/2014/main" id="{EC1D4159-B2B3-0169-F1C3-3224BFE939E1}"/>
               </a:ext>
             </a:extLst>
           </p:cNvPr>
@@ -1597,7 +1597,7 @@
           <p:cNvPr id="4" name="内容占位符 3">
             <a:extLst>
               <a:ext uri="{FF2B5EF4-FFF2-40B4-BE49-F238E27FC236}">
-                <a16:creationId xmlns:a16="http://schemas.microsoft.com/office/drawing/2014/main" id="{FBDE09C9-76C4-FF87-07A8-10C234A6D466}"/>
+                <a16:creationId xmlns:a16="http://schemas.microsoft.com/office/drawing/2014/main" id="{258CD40B-0C84-63E0-202F-B8E26E961671}"/>
               </a:ext>
             </a:extLst>
           </p:cNvPr>
@@ -1659,7 +1659,7 @@
           <p:cNvPr id="5" name="文本占位符 4">
             <a:extLst>
               <a:ext uri="{FF2B5EF4-FFF2-40B4-BE49-F238E27FC236}">
-                <a16:creationId xmlns:a16="http://schemas.microsoft.com/office/drawing/2014/main" id="{C2CF1E4F-AE45-9977-8A40-6A6829DD5182}"/>
+                <a16:creationId xmlns:a16="http://schemas.microsoft.com/office/drawing/2014/main" id="{287E0203-B4B6-1C7F-C627-6FDC403E3ADA}"/>
               </a:ext>
             </a:extLst>
           </p:cNvPr>
@@ -1730,7 +1730,7 @@
           <p:cNvPr id="6" name="内容占位符 5">
             <a:extLst>
               <a:ext uri="{FF2B5EF4-FFF2-40B4-BE49-F238E27FC236}">
-                <a16:creationId xmlns:a16="http://schemas.microsoft.com/office/drawing/2014/main" id="{8EDBEFA2-BED3-BF04-5D87-1EAA875CD2BA}"/>
+                <a16:creationId xmlns:a16="http://schemas.microsoft.com/office/drawing/2014/main" id="{3A9273A0-3AAC-653C-FA91-49F2334E1AD0}"/>
               </a:ext>
             </a:extLst>
           </p:cNvPr>
@@ -1792,7 +1792,7 @@
           <p:cNvPr id="7" name="日期占位符 6">
             <a:extLst>
               <a:ext uri="{FF2B5EF4-FFF2-40B4-BE49-F238E27FC236}">
-                <a16:creationId xmlns:a16="http://schemas.microsoft.com/office/drawing/2014/main" id="{22F54D7D-41BE-778B-F09A-9A6F9E4D2757}"/>
+                <a16:creationId xmlns:a16="http://schemas.microsoft.com/office/drawing/2014/main" id="{279E6FCF-4843-7140-38B3-90FB39D534B6}"/>
               </a:ext>
             </a:extLst>
           </p:cNvPr>
@@ -1808,7 +1808,7 @@
           <a:bodyPr/>
           <a:lstStyle/>
           <a:p>
-            <a:fld id="{8135A732-BF97-4756-9EAB-DC0AC8AD3586}" type="datetimeFigureOut">
+            <a:fld id="{9856455E-E23B-4E74-B937-AFDA344C7BE4}" type="datetimeFigureOut">
               <a:rPr lang="zh-CN" altLang="en-US" smtClean="0"/>
               <a:t>2024/3/10</a:t>
             </a:fld>
@@ -1821,7 +1821,7 @@
           <p:cNvPr id="8" name="页脚占位符 7">
             <a:extLst>
               <a:ext uri="{FF2B5EF4-FFF2-40B4-BE49-F238E27FC236}">
-                <a16:creationId xmlns:a16="http://schemas.microsoft.com/office/drawing/2014/main" id="{DAB1B81E-7C6B-BFBA-999A-1C8F782E8AC6}"/>
+                <a16:creationId xmlns:a16="http://schemas.microsoft.com/office/drawing/2014/main" id="{F81BA2EB-350C-0AFD-928F-E4D50FDA0731}"/>
               </a:ext>
             </a:extLst>
           </p:cNvPr>
@@ -1846,7 +1846,7 @@
           <p:cNvPr id="9" name="灯片编号占位符 8">
             <a:extLst>
               <a:ext uri="{FF2B5EF4-FFF2-40B4-BE49-F238E27FC236}">
-                <a16:creationId xmlns:a16="http://schemas.microsoft.com/office/drawing/2014/main" id="{566672F9-19B3-41F0-57BE-8C51951AAF2E}"/>
+                <a16:creationId xmlns:a16="http://schemas.microsoft.com/office/drawing/2014/main" id="{D3543C4F-BD60-E340-0351-8B9406E8AAA5}"/>
               </a:ext>
             </a:extLst>
           </p:cNvPr>
@@ -1862,7 +1862,7 @@
           <a:bodyPr/>
           <a:lstStyle/>
           <a:p>
-            <a:fld id="{EDDEE17E-6766-4644-A610-4690C481FB75}" type="slidenum">
+            <a:fld id="{07407152-7CE4-48F1-A6F5-261540BB1C02}" type="slidenum">
               <a:rPr lang="zh-CN" altLang="en-US" smtClean="0"/>
               <a:t>‹#›</a:t>
             </a:fld>
@@ -1873,7 +1873,7 @@
     </p:spTree>
     <p:extLst>
       <p:ext uri="{BB962C8B-B14F-4D97-AF65-F5344CB8AC3E}">
-        <p14:creationId xmlns:p14="http://schemas.microsoft.com/office/powerpoint/2010/main" val="1862158815"/>
+        <p14:creationId xmlns:p14="http://schemas.microsoft.com/office/powerpoint/2010/main" val="2109957746"/>
       </p:ext>
     </p:extLst>
   </p:cSld>
@@ -1905,7 +1905,7 @@
           <p:cNvPr id="2" name="标题 1">
             <a:extLst>
               <a:ext uri="{FF2B5EF4-FFF2-40B4-BE49-F238E27FC236}">
-                <a16:creationId xmlns:a16="http://schemas.microsoft.com/office/drawing/2014/main" id="{D43AA03A-886C-9371-6759-D1C78171D054}"/>
+                <a16:creationId xmlns:a16="http://schemas.microsoft.com/office/drawing/2014/main" id="{D107AB8B-0587-E595-D85A-8F54254708A3}"/>
               </a:ext>
             </a:extLst>
           </p:cNvPr>
@@ -1933,7 +1933,7 @@
           <p:cNvPr id="3" name="日期占位符 2">
             <a:extLst>
               <a:ext uri="{FF2B5EF4-FFF2-40B4-BE49-F238E27FC236}">
-                <a16:creationId xmlns:a16="http://schemas.microsoft.com/office/drawing/2014/main" id="{43FC8775-FA84-8854-CBD4-CFA9F37D6D96}"/>
+                <a16:creationId xmlns:a16="http://schemas.microsoft.com/office/drawing/2014/main" id="{528E270D-4C79-5B10-E10E-E37A51DB9766}"/>
               </a:ext>
             </a:extLst>
           </p:cNvPr>
@@ -1949,7 +1949,7 @@
           <a:bodyPr/>
           <a:lstStyle/>
           <a:p>
-            <a:fld id="{8135A732-BF97-4756-9EAB-DC0AC8AD3586}" type="datetimeFigureOut">
+            <a:fld id="{9856455E-E23B-4E74-B937-AFDA344C7BE4}" type="datetimeFigureOut">
               <a:rPr lang="zh-CN" altLang="en-US" smtClean="0"/>
               <a:t>2024/3/10</a:t>
             </a:fld>
@@ -1962,7 +1962,7 @@
           <p:cNvPr id="4" name="页脚占位符 3">
             <a:extLst>
               <a:ext uri="{FF2B5EF4-FFF2-40B4-BE49-F238E27FC236}">
-                <a16:creationId xmlns:a16="http://schemas.microsoft.com/office/drawing/2014/main" id="{1AC390F9-2DA3-E398-B080-40B9F2675A7C}"/>
+                <a16:creationId xmlns:a16="http://schemas.microsoft.com/office/drawing/2014/main" id="{D1E6AEFA-583C-7E20-5D34-AF0D3297589D}"/>
               </a:ext>
             </a:extLst>
           </p:cNvPr>
@@ -1987,7 +1987,7 @@
           <p:cNvPr id="5" name="灯片编号占位符 4">
             <a:extLst>
               <a:ext uri="{FF2B5EF4-FFF2-40B4-BE49-F238E27FC236}">
-                <a16:creationId xmlns:a16="http://schemas.microsoft.com/office/drawing/2014/main" id="{44552C22-B1D7-193B-EF35-DBDCA29B41B8}"/>
+                <a16:creationId xmlns:a16="http://schemas.microsoft.com/office/drawing/2014/main" id="{324F793B-7773-221E-8809-2C4C38CF8330}"/>
               </a:ext>
             </a:extLst>
           </p:cNvPr>
@@ -2003,7 +2003,7 @@
           <a:bodyPr/>
           <a:lstStyle/>
           <a:p>
-            <a:fld id="{EDDEE17E-6766-4644-A610-4690C481FB75}" type="slidenum">
+            <a:fld id="{07407152-7CE4-48F1-A6F5-261540BB1C02}" type="slidenum">
               <a:rPr lang="zh-CN" altLang="en-US" smtClean="0"/>
               <a:t>‹#›</a:t>
             </a:fld>
@@ -2014,7 +2014,7 @@
     </p:spTree>
     <p:extLst>
       <p:ext uri="{BB962C8B-B14F-4D97-AF65-F5344CB8AC3E}">
-        <p14:creationId xmlns:p14="http://schemas.microsoft.com/office/powerpoint/2010/main" val="1541900320"/>
+        <p14:creationId xmlns:p14="http://schemas.microsoft.com/office/powerpoint/2010/main" val="1038047108"/>
       </p:ext>
     </p:extLst>
   </p:cSld>
@@ -2046,7 +2046,7 @@
           <p:cNvPr id="2" name="日期占位符 1">
             <a:extLst>
               <a:ext uri="{FF2B5EF4-FFF2-40B4-BE49-F238E27FC236}">
-                <a16:creationId xmlns:a16="http://schemas.microsoft.com/office/drawing/2014/main" id="{E82641A1-99C4-56BE-F4CD-4945D632941A}"/>
+                <a16:creationId xmlns:a16="http://schemas.microsoft.com/office/drawing/2014/main" id="{B43EA90A-90A0-5C9F-5042-FA784F907101}"/>
               </a:ext>
             </a:extLst>
           </p:cNvPr>
@@ -2062,7 +2062,7 @@
           <a:bodyPr/>
           <a:lstStyle/>
           <a:p>
-            <a:fld id="{8135A732-BF97-4756-9EAB-DC0AC8AD3586}" type="datetimeFigureOut">
+            <a:fld id="{9856455E-E23B-4E74-B937-AFDA344C7BE4}" type="datetimeFigureOut">
               <a:rPr lang="zh-CN" altLang="en-US" smtClean="0"/>
               <a:t>2024/3/10</a:t>
             </a:fld>
@@ -2075,7 +2075,7 @@
           <p:cNvPr id="3" name="页脚占位符 2">
             <a:extLst>
               <a:ext uri="{FF2B5EF4-FFF2-40B4-BE49-F238E27FC236}">
-                <a16:creationId xmlns:a16="http://schemas.microsoft.com/office/drawing/2014/main" id="{BCDA1088-9747-C450-8D40-E6ADE69D9C70}"/>
+                <a16:creationId xmlns:a16="http://schemas.microsoft.com/office/drawing/2014/main" id="{25F38F44-A589-639F-4AA0-E492DA2C0A85}"/>
               </a:ext>
             </a:extLst>
           </p:cNvPr>
@@ -2100,7 +2100,7 @@
           <p:cNvPr id="4" name="灯片编号占位符 3">
             <a:extLst>
               <a:ext uri="{FF2B5EF4-FFF2-40B4-BE49-F238E27FC236}">
-                <a16:creationId xmlns:a16="http://schemas.microsoft.com/office/drawing/2014/main" id="{CE98C0EB-779A-C875-9C44-2E3512588D8B}"/>
+                <a16:creationId xmlns:a16="http://schemas.microsoft.com/office/drawing/2014/main" id="{F36DA17C-4205-1872-373B-CE175C472B09}"/>
               </a:ext>
             </a:extLst>
           </p:cNvPr>
@@ -2116,7 +2116,7 @@
           <a:bodyPr/>
           <a:lstStyle/>
           <a:p>
-            <a:fld id="{EDDEE17E-6766-4644-A610-4690C481FB75}" type="slidenum">
+            <a:fld id="{07407152-7CE4-48F1-A6F5-261540BB1C02}" type="slidenum">
               <a:rPr lang="zh-CN" altLang="en-US" smtClean="0"/>
               <a:t>‹#›</a:t>
             </a:fld>
@@ -2127,7 +2127,7 @@
     </p:spTree>
     <p:extLst>
       <p:ext uri="{BB962C8B-B14F-4D97-AF65-F5344CB8AC3E}">
-        <p14:creationId xmlns:p14="http://schemas.microsoft.com/office/powerpoint/2010/main" val="1672710888"/>
+        <p14:creationId xmlns:p14="http://schemas.microsoft.com/office/powerpoint/2010/main" val="3462957330"/>
       </p:ext>
     </p:extLst>
   </p:cSld>
@@ -2159,7 +2159,7 @@
           <p:cNvPr id="2" name="标题 1">
             <a:extLst>
               <a:ext uri="{FF2B5EF4-FFF2-40B4-BE49-F238E27FC236}">
-                <a16:creationId xmlns:a16="http://schemas.microsoft.com/office/drawing/2014/main" id="{77A499F4-D365-E22E-1543-DA7A7481BF1E}"/>
+                <a16:creationId xmlns:a16="http://schemas.microsoft.com/office/drawing/2014/main" id="{7CABB44F-93B7-B325-5093-AF96FEF7396A}"/>
               </a:ext>
             </a:extLst>
           </p:cNvPr>
@@ -2196,7 +2196,7 @@
           <p:cNvPr id="3" name="内容占位符 2">
             <a:extLst>
               <a:ext uri="{FF2B5EF4-FFF2-40B4-BE49-F238E27FC236}">
-                <a16:creationId xmlns:a16="http://schemas.microsoft.com/office/drawing/2014/main" id="{59C548D2-3865-3573-0B31-D721C5DAA2F4}"/>
+                <a16:creationId xmlns:a16="http://schemas.microsoft.com/office/drawing/2014/main" id="{8F38A809-6FE6-200C-763A-296F678C5E7B}"/>
               </a:ext>
             </a:extLst>
           </p:cNvPr>
@@ -2286,7 +2286,7 @@
           <p:cNvPr id="4" name="文本占位符 3">
             <a:extLst>
               <a:ext uri="{FF2B5EF4-FFF2-40B4-BE49-F238E27FC236}">
-                <a16:creationId xmlns:a16="http://schemas.microsoft.com/office/drawing/2014/main" id="{AE04DDD7-C61B-375D-DB5B-EDA656BA5BD1}"/>
+                <a16:creationId xmlns:a16="http://schemas.microsoft.com/office/drawing/2014/main" id="{609ED811-6C2A-83E4-D249-B9E0FDC436B5}"/>
               </a:ext>
             </a:extLst>
           </p:cNvPr>
@@ -2357,7 +2357,7 @@
           <p:cNvPr id="5" name="日期占位符 4">
             <a:extLst>
               <a:ext uri="{FF2B5EF4-FFF2-40B4-BE49-F238E27FC236}">
-                <a16:creationId xmlns:a16="http://schemas.microsoft.com/office/drawing/2014/main" id="{EBDBBBCB-A112-A7A0-7D78-DBC894CA4DE2}"/>
+                <a16:creationId xmlns:a16="http://schemas.microsoft.com/office/drawing/2014/main" id="{E627B26B-BE6F-1B8B-4779-D74EE407C6BD}"/>
               </a:ext>
             </a:extLst>
           </p:cNvPr>
@@ -2373,7 +2373,7 @@
           <a:bodyPr/>
           <a:lstStyle/>
           <a:p>
-            <a:fld id="{8135A732-BF97-4756-9EAB-DC0AC8AD3586}" type="datetimeFigureOut">
+            <a:fld id="{9856455E-E23B-4E74-B937-AFDA344C7BE4}" type="datetimeFigureOut">
               <a:rPr lang="zh-CN" altLang="en-US" smtClean="0"/>
               <a:t>2024/3/10</a:t>
             </a:fld>
@@ -2386,7 +2386,7 @@
           <p:cNvPr id="6" name="页脚占位符 5">
             <a:extLst>
               <a:ext uri="{FF2B5EF4-FFF2-40B4-BE49-F238E27FC236}">
-                <a16:creationId xmlns:a16="http://schemas.microsoft.com/office/drawing/2014/main" id="{C4AEEDE7-AB3D-A217-6D9B-46355B9EF64C}"/>
+                <a16:creationId xmlns:a16="http://schemas.microsoft.com/office/drawing/2014/main" id="{D482BB90-C9F7-D9CE-3D91-0A0C26138B6F}"/>
               </a:ext>
             </a:extLst>
           </p:cNvPr>
@@ -2411,7 +2411,7 @@
           <p:cNvPr id="7" name="灯片编号占位符 6">
             <a:extLst>
               <a:ext uri="{FF2B5EF4-FFF2-40B4-BE49-F238E27FC236}">
-                <a16:creationId xmlns:a16="http://schemas.microsoft.com/office/drawing/2014/main" id="{D96DB4FB-0C6F-763C-534B-9DD99F86D3FE}"/>
+                <a16:creationId xmlns:a16="http://schemas.microsoft.com/office/drawing/2014/main" id="{D4B0BED6-5105-673B-8099-5100C2D893E8}"/>
               </a:ext>
             </a:extLst>
           </p:cNvPr>
@@ -2427,7 +2427,7 @@
           <a:bodyPr/>
           <a:lstStyle/>
           <a:p>
-            <a:fld id="{EDDEE17E-6766-4644-A610-4690C481FB75}" type="slidenum">
+            <a:fld id="{07407152-7CE4-48F1-A6F5-261540BB1C02}" type="slidenum">
               <a:rPr lang="zh-CN" altLang="en-US" smtClean="0"/>
               <a:t>‹#›</a:t>
             </a:fld>
@@ -2438,7 +2438,7 @@
     </p:spTree>
     <p:extLst>
       <p:ext uri="{BB962C8B-B14F-4D97-AF65-F5344CB8AC3E}">
-        <p14:creationId xmlns:p14="http://schemas.microsoft.com/office/powerpoint/2010/main" val="1093616729"/>
+        <p14:creationId xmlns:p14="http://schemas.microsoft.com/office/powerpoint/2010/main" val="1143759628"/>
       </p:ext>
     </p:extLst>
   </p:cSld>
@@ -2470,7 +2470,7 @@
           <p:cNvPr id="2" name="标题 1">
             <a:extLst>
               <a:ext uri="{FF2B5EF4-FFF2-40B4-BE49-F238E27FC236}">
-                <a16:creationId xmlns:a16="http://schemas.microsoft.com/office/drawing/2014/main" id="{37F458D5-1975-9DED-E45E-06EC47E81A2B}"/>
+                <a16:creationId xmlns:a16="http://schemas.microsoft.com/office/drawing/2014/main" id="{C09C157A-F1EE-EBFB-8946-089F74BBE50C}"/>
               </a:ext>
             </a:extLst>
           </p:cNvPr>
@@ -2507,7 +2507,7 @@
           <p:cNvPr id="3" name="图片占位符 2">
             <a:extLst>
               <a:ext uri="{FF2B5EF4-FFF2-40B4-BE49-F238E27FC236}">
-                <a16:creationId xmlns:a16="http://schemas.microsoft.com/office/drawing/2014/main" id="{D658A2EF-E520-C7A4-9624-CE9066C601C2}"/>
+                <a16:creationId xmlns:a16="http://schemas.microsoft.com/office/drawing/2014/main" id="{276B06C7-7DC9-FAFD-7131-4C886183C3EB}"/>
               </a:ext>
             </a:extLst>
           </p:cNvPr>
@@ -2574,7 +2574,7 @@
           <p:cNvPr id="4" name="文本占位符 3">
             <a:extLst>
               <a:ext uri="{FF2B5EF4-FFF2-40B4-BE49-F238E27FC236}">
-                <a16:creationId xmlns:a16="http://schemas.microsoft.com/office/drawing/2014/main" id="{B02FD866-2133-86FB-4A0C-AB9CD8260881}"/>
+                <a16:creationId xmlns:a16="http://schemas.microsoft.com/office/drawing/2014/main" id="{A4AB8D56-A04D-D121-92F3-D7FDDD76858F}"/>
               </a:ext>
             </a:extLst>
           </p:cNvPr>
@@ -2645,7 +2645,7 @@
           <p:cNvPr id="5" name="日期占位符 4">
             <a:extLst>
               <a:ext uri="{FF2B5EF4-FFF2-40B4-BE49-F238E27FC236}">
-                <a16:creationId xmlns:a16="http://schemas.microsoft.com/office/drawing/2014/main" id="{B6F6FE8C-950A-28AA-9D9C-1C4F40FE3C4B}"/>
+                <a16:creationId xmlns:a16="http://schemas.microsoft.com/office/drawing/2014/main" id="{73637C21-7FFF-40FE-1B6D-0049EFB99045}"/>
               </a:ext>
             </a:extLst>
           </p:cNvPr>
@@ -2661,7 +2661,7 @@
           <a:bodyPr/>
           <a:lstStyle/>
           <a:p>
-            <a:fld id="{8135A732-BF97-4756-9EAB-DC0AC8AD3586}" type="datetimeFigureOut">
+            <a:fld id="{9856455E-E23B-4E74-B937-AFDA344C7BE4}" type="datetimeFigureOut">
               <a:rPr lang="zh-CN" altLang="en-US" smtClean="0"/>
               <a:t>2024/3/10</a:t>
             </a:fld>
@@ -2674,7 +2674,7 @@
           <p:cNvPr id="6" name="页脚占位符 5">
             <a:extLst>
               <a:ext uri="{FF2B5EF4-FFF2-40B4-BE49-F238E27FC236}">
-                <a16:creationId xmlns:a16="http://schemas.microsoft.com/office/drawing/2014/main" id="{65820CD2-BB19-92AE-2635-0D4BBB6D3091}"/>
+                <a16:creationId xmlns:a16="http://schemas.microsoft.com/office/drawing/2014/main" id="{B3751F92-25DF-7BE1-C9AF-8DC8B846F7C0}"/>
               </a:ext>
             </a:extLst>
           </p:cNvPr>
@@ -2699,7 +2699,7 @@
           <p:cNvPr id="7" name="灯片编号占位符 6">
             <a:extLst>
               <a:ext uri="{FF2B5EF4-FFF2-40B4-BE49-F238E27FC236}">
-                <a16:creationId xmlns:a16="http://schemas.microsoft.com/office/drawing/2014/main" id="{B6C12E7D-0D9F-8039-5666-15AB4C826899}"/>
+                <a16:creationId xmlns:a16="http://schemas.microsoft.com/office/drawing/2014/main" id="{B7C13976-E41D-45F6-E580-185FBB3302D5}"/>
               </a:ext>
             </a:extLst>
           </p:cNvPr>
@@ -2715,7 +2715,7 @@
           <a:bodyPr/>
           <a:lstStyle/>
           <a:p>
-            <a:fld id="{EDDEE17E-6766-4644-A610-4690C481FB75}" type="slidenum">
+            <a:fld id="{07407152-7CE4-48F1-A6F5-261540BB1C02}" type="slidenum">
               <a:rPr lang="zh-CN" altLang="en-US" smtClean="0"/>
               <a:t>‹#›</a:t>
             </a:fld>
@@ -2726,7 +2726,7 @@
     </p:spTree>
     <p:extLst>
       <p:ext uri="{BB962C8B-B14F-4D97-AF65-F5344CB8AC3E}">
-        <p14:creationId xmlns:p14="http://schemas.microsoft.com/office/powerpoint/2010/main" val="3517976251"/>
+        <p14:creationId xmlns:p14="http://schemas.microsoft.com/office/powerpoint/2010/main" val="2695527077"/>
       </p:ext>
     </p:extLst>
   </p:cSld>
@@ -2763,7 +2763,7 @@
           <p:cNvPr id="2" name="标题占位符 1">
             <a:extLst>
               <a:ext uri="{FF2B5EF4-FFF2-40B4-BE49-F238E27FC236}">
-                <a16:creationId xmlns:a16="http://schemas.microsoft.com/office/drawing/2014/main" id="{C2366BDD-C85E-6800-5BD4-9EFD0BA760D9}"/>
+                <a16:creationId xmlns:a16="http://schemas.microsoft.com/office/drawing/2014/main" id="{2FD2D132-A7AD-E6CA-6C03-55EDA0D9CB99}"/>
               </a:ext>
             </a:extLst>
           </p:cNvPr>
@@ -2801,7 +2801,7 @@
           <p:cNvPr id="3" name="文本占位符 2">
             <a:extLst>
               <a:ext uri="{FF2B5EF4-FFF2-40B4-BE49-F238E27FC236}">
-                <a16:creationId xmlns:a16="http://schemas.microsoft.com/office/drawing/2014/main" id="{509BC53D-0CCB-11A0-EB88-89C1D4E0A433}"/>
+                <a16:creationId xmlns:a16="http://schemas.microsoft.com/office/drawing/2014/main" id="{F1F540F9-ED54-93D8-42D7-DAE3E70DBAA2}"/>
               </a:ext>
             </a:extLst>
           </p:cNvPr>
@@ -2868,7 +2868,7 @@
           <p:cNvPr id="4" name="日期占位符 3">
             <a:extLst>
               <a:ext uri="{FF2B5EF4-FFF2-40B4-BE49-F238E27FC236}">
-                <a16:creationId xmlns:a16="http://schemas.microsoft.com/office/drawing/2014/main" id="{E4046251-0A0A-4A2D-91C6-376A54D4DE2E}"/>
+                <a16:creationId xmlns:a16="http://schemas.microsoft.com/office/drawing/2014/main" id="{FE46F97C-96F0-28FB-A097-E24CECFFF03A}"/>
               </a:ext>
             </a:extLst>
           </p:cNvPr>
@@ -2902,7 +2902,7 @@
             </a:lvl1pPr>
           </a:lstStyle>
           <a:p>
-            <a:fld id="{8135A732-BF97-4756-9EAB-DC0AC8AD3586}" type="datetimeFigureOut">
+            <a:fld id="{9856455E-E23B-4E74-B937-AFDA344C7BE4}" type="datetimeFigureOut">
               <a:rPr lang="zh-CN" altLang="en-US" smtClean="0"/>
               <a:t>2024/3/10</a:t>
             </a:fld>
@@ -2915,7 +2915,7 @@
           <p:cNvPr id="5" name="页脚占位符 4">
             <a:extLst>
               <a:ext uri="{FF2B5EF4-FFF2-40B4-BE49-F238E27FC236}">
-                <a16:creationId xmlns:a16="http://schemas.microsoft.com/office/drawing/2014/main" id="{7DB4EDEC-7382-6139-BF65-850C5A59A31E}"/>
+                <a16:creationId xmlns:a16="http://schemas.microsoft.com/office/drawing/2014/main" id="{A2A06D56-1739-D16C-C27A-5C7E23D668D3}"/>
               </a:ext>
             </a:extLst>
           </p:cNvPr>
@@ -2958,7 +2958,7 @@
           <p:cNvPr id="6" name="灯片编号占位符 5">
             <a:extLst>
               <a:ext uri="{FF2B5EF4-FFF2-40B4-BE49-F238E27FC236}">
-                <a16:creationId xmlns:a16="http://schemas.microsoft.com/office/drawing/2014/main" id="{FB9A0B04-C477-1D5E-689A-F5661AD4B9D7}"/>
+                <a16:creationId xmlns:a16="http://schemas.microsoft.com/office/drawing/2014/main" id="{191681D7-3E2D-8A15-40D0-D1BAEF9D394A}"/>
               </a:ext>
             </a:extLst>
           </p:cNvPr>
@@ -2992,7 +2992,7 @@
             </a:lvl1pPr>
           </a:lstStyle>
           <a:p>
-            <a:fld id="{EDDEE17E-6766-4644-A610-4690C481FB75}" type="slidenum">
+            <a:fld id="{07407152-7CE4-48F1-A6F5-261540BB1C02}" type="slidenum">
               <a:rPr lang="zh-CN" altLang="en-US" smtClean="0"/>
               <a:t>‹#›</a:t>
             </a:fld>
@@ -3003,7 +3003,7 @@
     </p:spTree>
     <p:extLst>
       <p:ext uri="{BB962C8B-B14F-4D97-AF65-F5344CB8AC3E}">
-        <p14:creationId xmlns:p14="http://schemas.microsoft.com/office/powerpoint/2010/main" val="292136020"/>
+        <p14:creationId xmlns:p14="http://schemas.microsoft.com/office/powerpoint/2010/main" val="1661700934"/>
       </p:ext>
     </p:extLst>
   </p:cSld>
